--- a/eece2160/f18/lectures/eece.2160f18_lec30_PE3.pptx
+++ b/eece2160/f18/lectures/eece.2160f18_lec30_PE3.pptx
@@ -1452,7 +1452,7 @@
             </a:pPr>
             <a:fld id="{4BF7F9F9-2F23-E24D-B448-9F2079363376}" type="datetime1">
               <a:rPr lang="en-US" smtClean="0"/>
-              <a:t>11/15/18</a:t>
+              <a:t>11/19/18</a:t>
             </a:fld>
             <a:endParaRPr lang="en-US"/>
           </a:p>
@@ -1657,7 +1657,7 @@
             </a:pPr>
             <a:fld id="{A2292966-4D18-204A-B91B-B0110918AEB7}" type="datetime1">
               <a:rPr lang="en-US" smtClean="0"/>
-              <a:t>11/15/18</a:t>
+              <a:t>11/19/18</a:t>
             </a:fld>
             <a:endParaRPr lang="en-US"/>
           </a:p>
@@ -1871,7 +1871,7 @@
             </a:pPr>
             <a:fld id="{5A26F088-C68E-6142-8DFE-CD710FE9DF8D}" type="datetime1">
               <a:rPr lang="en-US" smtClean="0"/>
-              <a:t>11/15/18</a:t>
+              <a:t>11/19/18</a:t>
             </a:fld>
             <a:endParaRPr lang="en-US"/>
           </a:p>
@@ -2142,7 +2142,7 @@
             </a:pPr>
             <a:fld id="{94A55E9D-0044-F342-87ED-62183666DA56}" type="datetime1">
               <a:rPr lang="en-US" smtClean="0"/>
-              <a:t>11/15/18</a:t>
+              <a:t>11/19/18</a:t>
             </a:fld>
             <a:endParaRPr lang="en-US"/>
           </a:p>
@@ -2413,7 +2413,7 @@
             </a:pPr>
             <a:fld id="{92C7F0D9-46DF-BD4D-96A2-1107A5714547}" type="datetime1">
               <a:rPr lang="en-US" smtClean="0"/>
-              <a:t>11/15/18</a:t>
+              <a:t>11/19/18</a:t>
             </a:fld>
             <a:endParaRPr lang="en-US"/>
           </a:p>
@@ -2617,7 +2617,7 @@
             </a:pPr>
             <a:fld id="{28BDE8AE-32E0-114A-9846-75598CBA3938}" type="datetime1">
               <a:rPr lang="en-US" smtClean="0"/>
-              <a:t>11/15/18</a:t>
+              <a:t>11/19/18</a:t>
             </a:fld>
             <a:endParaRPr lang="en-US"/>
           </a:p>
@@ -2843,7 +2843,7 @@
             </a:pPr>
             <a:fld id="{306FD7FE-9B86-9741-979E-0F548790A173}" type="datetime1">
               <a:rPr lang="en-US" smtClean="0"/>
-              <a:t>11/15/18</a:t>
+              <a:t>11/19/18</a:t>
             </a:fld>
             <a:endParaRPr lang="en-US"/>
           </a:p>
@@ -3165,7 +3165,7 @@
             </a:pPr>
             <a:fld id="{8FC476D0-07C1-E74F-BFDA-B568325D1600}" type="datetime1">
               <a:rPr lang="en-US" smtClean="0"/>
-              <a:t>11/15/18</a:t>
+              <a:t>11/19/18</a:t>
             </a:fld>
             <a:endParaRPr lang="en-US"/>
           </a:p>
@@ -3626,7 +3626,7 @@
             </a:pPr>
             <a:fld id="{5FA23933-4793-C24A-8125-707860367C50}" type="datetime1">
               <a:rPr lang="en-US" smtClean="0"/>
-              <a:t>11/15/18</a:t>
+              <a:t>11/19/18</a:t>
             </a:fld>
             <a:endParaRPr lang="en-US"/>
           </a:p>
@@ -3778,7 +3778,7 @@
             </a:pPr>
             <a:fld id="{5077E3FF-0F52-944F-A350-7B2A89474595}" type="datetime1">
               <a:rPr lang="en-US" smtClean="0"/>
-              <a:t>11/15/18</a:t>
+              <a:t>11/19/18</a:t>
             </a:fld>
             <a:endParaRPr lang="en-US"/>
           </a:p>
@@ -3907,7 +3907,7 @@
             </a:pPr>
             <a:fld id="{8B852AAD-D629-BC4E-A2E9-CCF6F0F4C859}" type="datetime1">
               <a:rPr lang="en-US" smtClean="0"/>
-              <a:t>11/15/18</a:t>
+              <a:t>11/19/18</a:t>
             </a:fld>
             <a:endParaRPr lang="en-US"/>
           </a:p>
@@ -4218,7 +4218,7 @@
             </a:pPr>
             <a:fld id="{DF92B3D7-1F67-E34B-A2A9-B8BF67268EA2}" type="datetime1">
               <a:rPr lang="en-US" smtClean="0"/>
-              <a:t>11/15/18</a:t>
+              <a:t>11/19/18</a:t>
             </a:fld>
             <a:endParaRPr lang="en-US"/>
           </a:p>
@@ -4506,7 +4506,7 @@
             </a:pPr>
             <a:fld id="{9C19B696-8143-6546-82D5-FC48B421D6A3}" type="datetime1">
               <a:rPr lang="en-US" smtClean="0"/>
-              <a:t>11/15/18</a:t>
+              <a:t>11/19/18</a:t>
             </a:fld>
             <a:endParaRPr lang="en-US"/>
           </a:p>
@@ -4813,7 +4813,7 @@
             </a:pPr>
             <a:fld id="{F7E827A5-8277-7642-9EF7-C1EE4F76DB60}" type="datetime1">
               <a:rPr lang="en-US" smtClean="0"/>
-              <a:t>11/15/18</a:t>
+              <a:t>11/19/18</a:t>
             </a:fld>
             <a:endParaRPr lang="en-US"/>
           </a:p>
@@ -5602,9 +5602,6 @@
               </a:rPr>
               <a:t>Instructor:  </a:t>
             </a:r>
-            <a:endParaRPr lang="en-US" dirty="0" smtClean="0">
-              <a:latin typeface="Arial" charset="0"/>
-            </a:endParaRPr>
           </a:p>
           <a:p>
             <a:pPr algn="ctr" eaLnBrk="1" hangingPunct="1">
@@ -5807,14 +5804,26 @@
               <a:rPr lang="en-US" dirty="0">
                 <a:latin typeface="Arial" charset="0"/>
               </a:rPr>
-              <a:t>Program 6 due </a:t>
+              <a:t>Program </a:t>
             </a:r>
             <a:r>
               <a:rPr lang="en-US" dirty="0" smtClean="0">
                 <a:latin typeface="Arial" charset="0"/>
               </a:rPr>
-              <a:t>today</a:t>
-            </a:r>
+              <a:t>5 regrades due today</a:t>
+            </a:r>
+          </a:p>
+          <a:p>
+            <a:pPr lvl="1"/>
+            <a:r>
+              <a:rPr lang="en-US" dirty="0" smtClean="0">
+                <a:latin typeface="Arial" charset="0"/>
+              </a:rPr>
+              <a:t>Program 6 late penalties—last day for -1 penalty</a:t>
+            </a:r>
+            <a:endParaRPr lang="en-US" dirty="0" smtClean="0">
+              <a:latin typeface="Arial" charset="0"/>
+            </a:endParaRPr>
           </a:p>
           <a:p>
             <a:pPr lvl="2"/>
@@ -5831,7 +5840,19 @@
               <a:rPr lang="en-US" dirty="0" smtClean="0">
                 <a:latin typeface="Arial" charset="0"/>
               </a:rPr>
-              <a:t>Penalties for that assignment begin increasing again Tuesday, 11/27</a:t>
+              <a:t>Penalties </a:t>
+            </a:r>
+            <a:r>
+              <a:rPr lang="en-US" dirty="0" smtClean="0">
+                <a:latin typeface="Arial" charset="0"/>
+              </a:rPr>
+              <a:t>begin </a:t>
+            </a:r>
+            <a:r>
+              <a:rPr lang="en-US" dirty="0" smtClean="0">
+                <a:latin typeface="Arial" charset="0"/>
+              </a:rPr>
+              <a:t>increasing again Tuesday, 11/27</a:t>
             </a:r>
             <a:endParaRPr lang="en-US" dirty="0">
               <a:latin typeface="Arial" charset="0"/>
@@ -5843,8 +5864,17 @@
               <a:rPr lang="en-US" dirty="0">
                 <a:latin typeface="Arial" charset="0"/>
               </a:rPr>
-              <a:t>Program 5 regrades due Monday, 11/26</a:t>
-            </a:r>
+              <a:t>Program </a:t>
+            </a:r>
+            <a:r>
+              <a:rPr lang="en-US" dirty="0" smtClean="0">
+                <a:latin typeface="Arial" charset="0"/>
+              </a:rPr>
+              <a:t>7 due Tuesday, 12/4</a:t>
+            </a:r>
+            <a:endParaRPr lang="en-US" dirty="0">
+              <a:latin typeface="Arial" charset="0"/>
+            </a:endParaRPr>
           </a:p>
           <a:p>
             <a:pPr lvl="1"/>
@@ -5857,8 +5887,17 @@
               <a:rPr lang="en-US" dirty="0" smtClean="0">
                 <a:latin typeface="Arial" charset="0"/>
               </a:rPr>
-              <a:t>Today’s lecture</a:t>
-            </a:r>
+              <a:t>Today’s </a:t>
+            </a:r>
+            <a:r>
+              <a:rPr lang="en-US" dirty="0" smtClean="0">
+                <a:latin typeface="Arial" charset="0"/>
+              </a:rPr>
+              <a:t>lecture: PE3 (Structures)</a:t>
+            </a:r>
+            <a:endParaRPr lang="en-US" dirty="0" smtClean="0">
+              <a:latin typeface="Arial" charset="0"/>
+            </a:endParaRPr>
           </a:p>
           <a:p>
             <a:pPr lvl="1"/>
@@ -5866,7 +5905,7 @@
               <a:rPr lang="en-US" dirty="0" smtClean="0">
                 <a:latin typeface="Arial" charset="0"/>
               </a:rPr>
-              <a:t>PE3: Structures</a:t>
+              <a:t>Associated code to be posted online</a:t>
             </a:r>
             <a:endParaRPr lang="en-US" dirty="0">
               <a:latin typeface="Arial" charset="0"/>
@@ -6023,7 +6062,7 @@
               <a:rPr lang="en-US" sz="1200" smtClean="0">
                 <a:latin typeface="Garamond" charset="0"/>
               </a:rPr>
-              <a:t>11/15/18</a:t>
+              <a:t>11/19/18</a:t>
             </a:fld>
             <a:endParaRPr lang="en-US" sz="1200">
               <a:latin typeface="Garamond" charset="0"/>
@@ -6816,7 +6855,7 @@
               <a:rPr lang="en-US" sz="1200" smtClean="0">
                 <a:latin typeface="Garamond" charset="0"/>
               </a:rPr>
-              <a:t>11/15/18</a:t>
+              <a:t>11/19/18</a:t>
             </a:fld>
             <a:endParaRPr lang="en-US" sz="1200">
               <a:latin typeface="Garamond" charset="0"/>
@@ -7325,7 +7364,7 @@
                 <a:latin typeface="Garamond" charset="0"/>
                 <a:cs typeface="Arial" charset="0"/>
               </a:rPr>
-              <a:t>11/15/18</a:t>
+              <a:t>11/19/18</a:t>
             </a:fld>
             <a:endParaRPr lang="en-US" sz="1200">
               <a:latin typeface="Garamond" charset="0"/>
@@ -8339,7 +8378,7 @@
               <a:rPr lang="en-US" sz="1200" smtClean="0">
                 <a:latin typeface="Garamond" charset="0"/>
               </a:rPr>
-              <a:t>11/15/18</a:t>
+              <a:t>11/19/18</a:t>
             </a:fld>
             <a:endParaRPr lang="en-US" sz="1200">
               <a:latin typeface="Garamond" charset="0"/>
@@ -8595,39 +8634,48 @@
               <a:t>Next </a:t>
             </a:r>
             <a:r>
+              <a:rPr lang="en-US" smtClean="0">
+                <a:latin typeface="Arial" charset="0"/>
+              </a:rPr>
+              <a:t>time </a:t>
+            </a:r>
+            <a:endParaRPr lang="en-US" smtClean="0">
+              <a:latin typeface="Arial" charset="0"/>
+            </a:endParaRPr>
+          </a:p>
+          <a:p>
+            <a:pPr lvl="1"/>
+            <a:r>
+              <a:rPr lang="en-US" smtClean="0">
+                <a:latin typeface="Arial" charset="0"/>
+              </a:rPr>
+              <a:t>File </a:t>
+            </a:r>
+            <a:r>
               <a:rPr lang="en-US" dirty="0" smtClean="0">
                 <a:latin typeface="Arial" charset="0"/>
               </a:rPr>
-              <a:t>time </a:t>
-            </a:r>
-            <a:r>
-              <a:rPr lang="en-US" i="1" dirty="0" smtClean="0">
-                <a:latin typeface="Arial" charset="0"/>
-              </a:rPr>
-              <a:t>(Monday, 11/26)</a:t>
+              <a:t>I/O</a:t>
             </a:r>
             <a:endParaRPr lang="en-US" dirty="0">
               <a:latin typeface="Arial" charset="0"/>
             </a:endParaRPr>
           </a:p>
           <a:p>
+            <a:r>
+              <a:rPr lang="en-US" dirty="0">
+                <a:latin typeface="Arial" charset="0"/>
+              </a:rPr>
+              <a:t>Reminders:</a:t>
+            </a:r>
+          </a:p>
+          <a:p>
             <a:pPr lvl="1"/>
             <a:r>
-              <a:rPr lang="en-US" dirty="0" smtClean="0">
-                <a:latin typeface="Arial" charset="0"/>
-              </a:rPr>
-              <a:t>File I/O</a:t>
-            </a:r>
-            <a:endParaRPr lang="en-US" dirty="0">
-              <a:latin typeface="Arial" charset="0"/>
-            </a:endParaRPr>
-          </a:p>
-          <a:p>
-            <a:r>
               <a:rPr lang="en-US" dirty="0">
                 <a:latin typeface="Arial" charset="0"/>
               </a:rPr>
-              <a:t>Reminders:</a:t>
+              <a:t>Program 5 regrades due today</a:t>
             </a:r>
           </a:p>
           <a:p>
@@ -8636,7 +8684,7 @@
               <a:rPr lang="en-US" dirty="0">
                 <a:latin typeface="Arial" charset="0"/>
               </a:rPr>
-              <a:t>Program 6 due today</a:t>
+              <a:t>Program 6 late penalties—last day for -1 penalty</a:t>
             </a:r>
           </a:p>
           <a:p>
@@ -8654,16 +8702,16 @@
               <a:rPr lang="en-US" dirty="0">
                 <a:latin typeface="Arial" charset="0"/>
               </a:rPr>
-              <a:t>Penalties for that assignment begin increasing again Tuesday, 11/27</a:t>
+              <a:t>Penalties begin increasing again Tuesday, 11/27</a:t>
             </a:r>
           </a:p>
           <a:p>
             <a:pPr lvl="1"/>
             <a:r>
-              <a:rPr lang="en-US">
-                <a:latin typeface="Arial" charset="0"/>
-              </a:rPr>
-              <a:t>Program 5 regrades due Monday, 11/26</a:t>
+              <a:rPr lang="en-US" dirty="0">
+                <a:latin typeface="Arial" charset="0"/>
+              </a:rPr>
+              <a:t>Program 7 due Tuesday, 12/4</a:t>
             </a:r>
             <a:endParaRPr lang="en-US" dirty="0">
               <a:latin typeface="Arial" charset="0"/>
@@ -8820,7 +8868,7 @@
               <a:rPr lang="en-US" sz="1200" smtClean="0">
                 <a:latin typeface="Garamond" charset="0"/>
               </a:rPr>
-              <a:t>11/15/18</a:t>
+              <a:t>11/19/18</a:t>
             </a:fld>
             <a:endParaRPr lang="en-US" sz="1200">
               <a:latin typeface="Garamond" charset="0"/>
